--- a/Presentation_NBA.pptx
+++ b/Presentation_NBA.pptx
@@ -532,7 +532,7 @@
           <a:p>
             <a:fld id="{850BC9B8-5B4E-4492-A567-22B58EE99385}" type="datetimeFigureOut">
               <a:rPr lang="fr-CH" smtClean="0"/>
-              <a:t>07.04.2020</a:t>
+              <a:t>08.04.2020</a:t>
             </a:fld>
             <a:endParaRPr lang="fr-CH"/>
           </a:p>
@@ -716,7 +716,7 @@
           <a:p>
             <a:fld id="{850BC9B8-5B4E-4492-A567-22B58EE99385}" type="datetimeFigureOut">
               <a:rPr lang="fr-CH" smtClean="0"/>
-              <a:t>07.04.2020</a:t>
+              <a:t>08.04.2020</a:t>
             </a:fld>
             <a:endParaRPr lang="fr-CH"/>
           </a:p>
@@ -896,7 +896,7 @@
           <a:p>
             <a:fld id="{850BC9B8-5B4E-4492-A567-22B58EE99385}" type="datetimeFigureOut">
               <a:rPr lang="fr-CH" smtClean="0"/>
-              <a:t>07.04.2020</a:t>
+              <a:t>08.04.2020</a:t>
             </a:fld>
             <a:endParaRPr lang="fr-CH"/>
           </a:p>
@@ -1066,7 +1066,7 @@
           <a:p>
             <a:fld id="{850BC9B8-5B4E-4492-A567-22B58EE99385}" type="datetimeFigureOut">
               <a:rPr lang="fr-CH" smtClean="0"/>
-              <a:t>07.04.2020</a:t>
+              <a:t>08.04.2020</a:t>
             </a:fld>
             <a:endParaRPr lang="fr-CH"/>
           </a:p>
@@ -1379,7 +1379,7 @@
           <a:p>
             <a:fld id="{850BC9B8-5B4E-4492-A567-22B58EE99385}" type="datetimeFigureOut">
               <a:rPr lang="fr-CH" smtClean="0"/>
-              <a:t>07.04.2020</a:t>
+              <a:t>08.04.2020</a:t>
             </a:fld>
             <a:endParaRPr lang="fr-CH"/>
           </a:p>
@@ -1765,7 +1765,7 @@
           <a:p>
             <a:fld id="{850BC9B8-5B4E-4492-A567-22B58EE99385}" type="datetimeFigureOut">
               <a:rPr lang="fr-CH" smtClean="0"/>
-              <a:t>07.04.2020</a:t>
+              <a:t>08.04.2020</a:t>
             </a:fld>
             <a:endParaRPr lang="fr-CH"/>
           </a:p>
@@ -2199,7 +2199,7 @@
           <a:p>
             <a:fld id="{850BC9B8-5B4E-4492-A567-22B58EE99385}" type="datetimeFigureOut">
               <a:rPr lang="fr-CH" smtClean="0"/>
-              <a:t>07.04.2020</a:t>
+              <a:t>08.04.2020</a:t>
             </a:fld>
             <a:endParaRPr lang="fr-CH"/>
           </a:p>
@@ -2317,7 +2317,7 @@
           <a:p>
             <a:fld id="{850BC9B8-5B4E-4492-A567-22B58EE99385}" type="datetimeFigureOut">
               <a:rPr lang="fr-CH" smtClean="0"/>
-              <a:t>07.04.2020</a:t>
+              <a:t>08.04.2020</a:t>
             </a:fld>
             <a:endParaRPr lang="fr-CH"/>
           </a:p>
@@ -2412,7 +2412,7 @@
           <a:p>
             <a:fld id="{850BC9B8-5B4E-4492-A567-22B58EE99385}" type="datetimeFigureOut">
               <a:rPr lang="fr-CH" smtClean="0"/>
-              <a:t>07.04.2020</a:t>
+              <a:t>08.04.2020</a:t>
             </a:fld>
             <a:endParaRPr lang="fr-CH"/>
           </a:p>
@@ -2767,7 +2767,7 @@
           <a:p>
             <a:fld id="{850BC9B8-5B4E-4492-A567-22B58EE99385}" type="datetimeFigureOut">
               <a:rPr lang="fr-CH" smtClean="0"/>
-              <a:t>07.04.2020</a:t>
+              <a:t>08.04.2020</a:t>
             </a:fld>
             <a:endParaRPr lang="fr-CH"/>
           </a:p>
@@ -3192,7 +3192,7 @@
           <a:p>
             <a:fld id="{850BC9B8-5B4E-4492-A567-22B58EE99385}" type="datetimeFigureOut">
               <a:rPr lang="fr-CH" smtClean="0"/>
-              <a:t>07.04.2020</a:t>
+              <a:t>08.04.2020</a:t>
             </a:fld>
             <a:endParaRPr lang="fr-CH"/>
           </a:p>
@@ -3473,7 +3473,7 @@
           <a:p>
             <a:fld id="{850BC9B8-5B4E-4492-A567-22B58EE99385}" type="datetimeFigureOut">
               <a:rPr lang="fr-CH" smtClean="0"/>
-              <a:t>07.04.2020</a:t>
+              <a:t>08.04.2020</a:t>
             </a:fld>
             <a:endParaRPr lang="fr-CH"/>
           </a:p>
@@ -6701,7 +6701,7 @@
             </a:r>
             <a:r>
               <a:rPr lang="fr-CH" dirty="0"/>
-              <a:t> page</a:t>
+              <a:t>/Twitter page</a:t>
             </a:r>
           </a:p>
           <a:p>
@@ -9024,7 +9024,9 @@
         </p:nvSpPr>
         <p:spPr/>
         <p:txBody>
-          <a:bodyPr/>
+          <a:bodyPr>
+            <a:normAutofit lnSpcReduction="10000"/>
+          </a:bodyPr>
           <a:lstStyle/>
           <a:p>
             <a:r>
@@ -9123,6 +9125,45 @@
           <a:p>
             <a:r>
               <a:rPr lang="de-CH" dirty="0"/>
+              <a:t>NBA </a:t>
+            </a:r>
+            <a:r>
+              <a:rPr lang="de-CH" dirty="0" err="1"/>
+              <a:t>players</a:t>
+            </a:r>
+            <a:r>
+              <a:rPr lang="de-CH" dirty="0"/>
+              <a:t> </a:t>
+            </a:r>
+            <a:r>
+              <a:rPr lang="de-CH" dirty="0" err="1"/>
+              <a:t>data</a:t>
+            </a:r>
+            <a:r>
+              <a:rPr lang="de-CH" dirty="0"/>
+              <a:t> (Team, </a:t>
+            </a:r>
+            <a:r>
+              <a:rPr lang="de-CH" dirty="0" err="1"/>
+              <a:t>stats</a:t>
+            </a:r>
+            <a:r>
+              <a:rPr lang="de-CH" dirty="0"/>
+              <a:t>, </a:t>
+            </a:r>
+            <a:r>
+              <a:rPr lang="de-CH" dirty="0" err="1"/>
+              <a:t>injuries</a:t>
+            </a:r>
+            <a:r>
+              <a:rPr lang="de-CH"/>
+              <a:t>, …)</a:t>
+            </a:r>
+            <a:endParaRPr lang="de-CH" dirty="0"/>
+          </a:p>
+          <a:p>
+            <a:r>
+              <a:rPr lang="de-CH" dirty="0"/>
               <a:t>Instagram </a:t>
             </a:r>
             <a:r>
@@ -9490,7 +9531,7 @@
               <a:t>Maybe</a:t>
             </a:r>
             <a:r>
-              <a:rPr lang="de-CH"/>
+              <a:rPr lang="de-CH" dirty="0"/>
               <a:t> Google </a:t>
             </a:r>
             <a:r>

--- a/Presentation_NBA.pptx
+++ b/Presentation_NBA.pptx
@@ -10,19 +10,20 @@
     <p:sldId id="259" r:id="rId4"/>
     <p:sldId id="257" r:id="rId5"/>
     <p:sldId id="260" r:id="rId6"/>
-    <p:sldId id="274" r:id="rId7"/>
-    <p:sldId id="275" r:id="rId8"/>
-    <p:sldId id="261" r:id="rId9"/>
-    <p:sldId id="262" r:id="rId10"/>
-    <p:sldId id="265" r:id="rId11"/>
-    <p:sldId id="263" r:id="rId12"/>
-    <p:sldId id="264" r:id="rId13"/>
-    <p:sldId id="266" r:id="rId14"/>
-    <p:sldId id="268" r:id="rId15"/>
-    <p:sldId id="267" r:id="rId16"/>
-    <p:sldId id="271" r:id="rId17"/>
-    <p:sldId id="272" r:id="rId18"/>
-    <p:sldId id="273" r:id="rId19"/>
+    <p:sldId id="276" r:id="rId7"/>
+    <p:sldId id="274" r:id="rId8"/>
+    <p:sldId id="275" r:id="rId9"/>
+    <p:sldId id="261" r:id="rId10"/>
+    <p:sldId id="262" r:id="rId11"/>
+    <p:sldId id="265" r:id="rId12"/>
+    <p:sldId id="263" r:id="rId13"/>
+    <p:sldId id="264" r:id="rId14"/>
+    <p:sldId id="266" r:id="rId15"/>
+    <p:sldId id="268" r:id="rId16"/>
+    <p:sldId id="267" r:id="rId17"/>
+    <p:sldId id="271" r:id="rId18"/>
+    <p:sldId id="272" r:id="rId19"/>
+    <p:sldId id="273" r:id="rId20"/>
   </p:sldIdLst>
   <p:sldSz cx="12192000" cy="6858000"/>
   <p:notesSz cx="6858000" cy="9144000"/>
@@ -4198,17 +4199,19 @@
       </p:sp>
       <p:pic>
         <p:nvPicPr>
-          <p:cNvPr id="7" name="Picture 6">
+          <p:cNvPr id="4" name="Content Placeholder 3">
             <a:extLst>
               <a:ext uri="{FF2B5EF4-FFF2-40B4-BE49-F238E27FC236}">
-                <a16:creationId xmlns:a16="http://schemas.microsoft.com/office/drawing/2014/main" id="{953330BE-6E9D-4666-BBC7-FB276ACCD5C5}"/>
+                <a16:creationId xmlns:a16="http://schemas.microsoft.com/office/drawing/2014/main" id="{E4935FA7-A361-475D-AC38-85E138A89845}"/>
               </a:ext>
             </a:extLst>
           </p:cNvPr>
           <p:cNvPicPr>
-            <a:picLocks noChangeAspect="1"/>
+            <a:picLocks noGrp="1" noChangeAspect="1"/>
           </p:cNvPicPr>
-          <p:nvPr/>
+          <p:nvPr>
+            <p:ph idx="1"/>
+          </p:nvPr>
         </p:nvPicPr>
         <p:blipFill>
           <a:blip r:embed="rId2"/>
@@ -4218,8 +4221,8 @@
         </p:blipFill>
         <p:spPr>
           <a:xfrm>
-            <a:off x="1314450" y="1432518"/>
-            <a:ext cx="9563100" cy="5182277"/>
+            <a:off x="1574520" y="1473199"/>
+            <a:ext cx="8712480" cy="4631795"/>
           </a:xfrm>
           <a:prstGeom prst="rect">
             <a:avLst/>
@@ -4229,7 +4232,7 @@
     </p:spTree>
     <p:extLst>
       <p:ext uri="{BB962C8B-B14F-4D97-AF65-F5344CB8AC3E}">
-        <p14:creationId xmlns:p14="http://schemas.microsoft.com/office/powerpoint/2010/main" val="2560201708"/>
+        <p14:creationId xmlns:p14="http://schemas.microsoft.com/office/powerpoint/2010/main" val="279124393"/>
       </p:ext>
     </p:extLst>
   </p:cSld>
@@ -4300,7 +4303,11 @@
             </a:r>
             <a:r>
               <a:rPr lang="de-CH" dirty="0"/>
-              <a:t> Snapshot 2020</a:t>
+              <a:t> </a:t>
+            </a:r>
+            <a:r>
+              <a:rPr lang="de-CH" dirty="0" err="1"/>
+              <a:t>evolution</a:t>
             </a:r>
             <a:endParaRPr lang="fr-CH" dirty="0"/>
           </a:p>
@@ -4311,7 +4318,7 @@
           <p:cNvPr id="7" name="Picture 6">
             <a:extLst>
               <a:ext uri="{FF2B5EF4-FFF2-40B4-BE49-F238E27FC236}">
-                <a16:creationId xmlns:a16="http://schemas.microsoft.com/office/drawing/2014/main" id="{D4B1CFE7-F5BB-4160-978E-1A3C019B9683}"/>
+                <a16:creationId xmlns:a16="http://schemas.microsoft.com/office/drawing/2014/main" id="{953330BE-6E9D-4666-BBC7-FB276ACCD5C5}"/>
               </a:ext>
             </a:extLst>
           </p:cNvPr>
@@ -4328,8 +4335,8 @@
         </p:blipFill>
         <p:spPr>
           <a:xfrm>
-            <a:off x="1717546" y="1412849"/>
-            <a:ext cx="8888541" cy="5201945"/>
+            <a:off x="1314450" y="1432518"/>
+            <a:ext cx="9563100" cy="5182277"/>
           </a:xfrm>
           <a:prstGeom prst="rect">
             <a:avLst/>
@@ -4339,7 +4346,7 @@
     </p:spTree>
     <p:extLst>
       <p:ext uri="{BB962C8B-B14F-4D97-AF65-F5344CB8AC3E}">
-        <p14:creationId xmlns:p14="http://schemas.microsoft.com/office/powerpoint/2010/main" val="731922640"/>
+        <p14:creationId xmlns:p14="http://schemas.microsoft.com/office/powerpoint/2010/main" val="2560201708"/>
       </p:ext>
     </p:extLst>
   </p:cSld>
@@ -4410,7 +4417,7 @@
             </a:r>
             <a:r>
               <a:rPr lang="de-CH" dirty="0"/>
-              <a:t> Snapshot 2020</a:t>
+              <a:t> Snapshot 2012</a:t>
             </a:r>
             <a:endParaRPr lang="fr-CH" dirty="0"/>
           </a:p>
@@ -4418,10 +4425,10 @@
       </p:sp>
       <p:pic>
         <p:nvPicPr>
-          <p:cNvPr id="6" name="Picture 5">
+          <p:cNvPr id="7" name="Picture 6">
             <a:extLst>
               <a:ext uri="{FF2B5EF4-FFF2-40B4-BE49-F238E27FC236}">
-                <a16:creationId xmlns:a16="http://schemas.microsoft.com/office/drawing/2014/main" id="{0AA2ECA4-6DD9-4605-90D5-67369D2C4EB3}"/>
+                <a16:creationId xmlns:a16="http://schemas.microsoft.com/office/drawing/2014/main" id="{D4B1CFE7-F5BB-4160-978E-1A3C019B9683}"/>
               </a:ext>
             </a:extLst>
           </p:cNvPr>
@@ -4438,8 +4445,8 @@
         </p:blipFill>
         <p:spPr>
           <a:xfrm>
-            <a:off x="1550194" y="1397943"/>
-            <a:ext cx="8901112" cy="5216852"/>
+            <a:off x="1717546" y="1412849"/>
+            <a:ext cx="8888541" cy="5201945"/>
           </a:xfrm>
           <a:prstGeom prst="rect">
             <a:avLst/>
@@ -4449,7 +4456,7 @@
     </p:spTree>
     <p:extLst>
       <p:ext uri="{BB962C8B-B14F-4D97-AF65-F5344CB8AC3E}">
-        <p14:creationId xmlns:p14="http://schemas.microsoft.com/office/powerpoint/2010/main" val="2688903098"/>
+        <p14:creationId xmlns:p14="http://schemas.microsoft.com/office/powerpoint/2010/main" val="731922640"/>
       </p:ext>
     </p:extLst>
   </p:cSld>
@@ -4499,9 +4506,7 @@
           </a:xfrm>
         </p:spPr>
         <p:txBody>
-          <a:bodyPr>
-            <a:normAutofit/>
-          </a:bodyPr>
+          <a:bodyPr/>
           <a:lstStyle/>
           <a:p>
             <a:r>
@@ -4517,35 +4522,23 @@
               <a:t>: </a:t>
             </a:r>
             <a:r>
-              <a:rPr lang="de-CH" sz="4400" dirty="0" err="1"/>
-              <a:t>social</a:t>
-            </a:r>
-            <a:r>
-              <a:rPr lang="de-CH" sz="4400" dirty="0"/>
-              <a:t> </a:t>
-            </a:r>
-            <a:r>
-              <a:rPr lang="de-CH" sz="4400" dirty="0" err="1"/>
-              <a:t>media</a:t>
-            </a:r>
-            <a:r>
-              <a:rPr lang="de-CH" sz="4400" dirty="0"/>
-              <a:t> total </a:t>
-            </a:r>
-            <a:r>
-              <a:rPr lang="de-CH" sz="4400" dirty="0" err="1"/>
-              <a:t>evolution</a:t>
-            </a:r>
-            <a:endParaRPr lang="fr-CH" sz="4400" dirty="0"/>
+              <a:rPr lang="de-CH" dirty="0" err="1"/>
+              <a:t>financial</a:t>
+            </a:r>
+            <a:r>
+              <a:rPr lang="de-CH" dirty="0"/>
+              <a:t> Snapshot 2020</a:t>
+            </a:r>
+            <a:endParaRPr lang="fr-CH" dirty="0"/>
           </a:p>
         </p:txBody>
       </p:sp>
       <p:pic>
         <p:nvPicPr>
-          <p:cNvPr id="3" name="Picture 2">
+          <p:cNvPr id="6" name="Picture 5">
             <a:extLst>
               <a:ext uri="{FF2B5EF4-FFF2-40B4-BE49-F238E27FC236}">
-                <a16:creationId xmlns:a16="http://schemas.microsoft.com/office/drawing/2014/main" id="{7DD66690-15D6-4310-A1FA-DF1C5AD6A3A5}"/>
+                <a16:creationId xmlns:a16="http://schemas.microsoft.com/office/drawing/2014/main" id="{0AA2ECA4-6DD9-4605-90D5-67369D2C4EB3}"/>
               </a:ext>
             </a:extLst>
           </p:cNvPr>
@@ -4562,8 +4555,8 @@
         </p:blipFill>
         <p:spPr>
           <a:xfrm>
-            <a:off x="1381125" y="1481941"/>
-            <a:ext cx="9144000" cy="4999503"/>
+            <a:off x="1550194" y="1397943"/>
+            <a:ext cx="8901112" cy="5216852"/>
           </a:xfrm>
           <a:prstGeom prst="rect">
             <a:avLst/>
@@ -4573,7 +4566,7 @@
     </p:spTree>
     <p:extLst>
       <p:ext uri="{BB962C8B-B14F-4D97-AF65-F5344CB8AC3E}">
-        <p14:creationId xmlns:p14="http://schemas.microsoft.com/office/powerpoint/2010/main" val="23938849"/>
+        <p14:creationId xmlns:p14="http://schemas.microsoft.com/office/powerpoint/2010/main" val="2688903098"/>
       </p:ext>
     </p:extLst>
   </p:cSld>
@@ -4624,7 +4617,7 @@
         </p:spPr>
         <p:txBody>
           <a:bodyPr>
-            <a:normAutofit fontScale="90000"/>
+            <a:normAutofit/>
           </a:bodyPr>
           <a:lstStyle/>
           <a:p>
@@ -4654,23 +4647,7 @@
             </a:r>
             <a:r>
               <a:rPr lang="de-CH" sz="4400" dirty="0"/>
-              <a:t> </a:t>
-            </a:r>
-            <a:r>
-              <a:rPr lang="de-CH" sz="4400" dirty="0" err="1"/>
-              <a:t>Yearly</a:t>
-            </a:r>
-            <a:r>
-              <a:rPr lang="de-CH" sz="4400" dirty="0"/>
-              <a:t> </a:t>
-            </a:r>
-            <a:r>
-              <a:rPr lang="de-CH" sz="4400" dirty="0" err="1"/>
-              <a:t>change</a:t>
-            </a:r>
-            <a:r>
-              <a:rPr lang="de-CH" sz="4400" dirty="0"/>
-              <a:t> </a:t>
+              <a:t> total </a:t>
             </a:r>
             <a:r>
               <a:rPr lang="de-CH" sz="4400" dirty="0" err="1"/>
@@ -4685,7 +4662,7 @@
           <p:cNvPr id="3" name="Picture 2">
             <a:extLst>
               <a:ext uri="{FF2B5EF4-FFF2-40B4-BE49-F238E27FC236}">
-                <a16:creationId xmlns:a16="http://schemas.microsoft.com/office/drawing/2014/main" id="{8AF0222C-A7E8-473E-951E-A92320595489}"/>
+                <a16:creationId xmlns:a16="http://schemas.microsoft.com/office/drawing/2014/main" id="{7DD66690-15D6-4310-A1FA-DF1C5AD6A3A5}"/>
               </a:ext>
             </a:extLst>
           </p:cNvPr>
@@ -4702,8 +4679,8 @@
         </p:blipFill>
         <p:spPr>
           <a:xfrm>
-            <a:off x="1412081" y="1487947"/>
-            <a:ext cx="8970169" cy="4975640"/>
+            <a:off x="1381125" y="1481941"/>
+            <a:ext cx="9144000" cy="4999503"/>
           </a:xfrm>
           <a:prstGeom prst="rect">
             <a:avLst/>
@@ -4713,7 +4690,7 @@
     </p:spTree>
     <p:extLst>
       <p:ext uri="{BB962C8B-B14F-4D97-AF65-F5344CB8AC3E}">
-        <p14:creationId xmlns:p14="http://schemas.microsoft.com/office/powerpoint/2010/main" val="3045671093"/>
+        <p14:creationId xmlns:p14="http://schemas.microsoft.com/office/powerpoint/2010/main" val="23938849"/>
       </p:ext>
     </p:extLst>
   </p:cSld>
@@ -4764,7 +4741,7 @@
         </p:spPr>
         <p:txBody>
           <a:bodyPr>
-            <a:normAutofit/>
+            <a:normAutofit fontScale="90000"/>
           </a:bodyPr>
           <a:lstStyle/>
           <a:p>
@@ -4782,7 +4759,7 @@
             </a:r>
             <a:r>
               <a:rPr lang="de-CH" sz="4400" dirty="0" err="1"/>
-              <a:t>revenue</a:t>
+              <a:t>social</a:t>
             </a:r>
             <a:r>
               <a:rPr lang="de-CH" sz="4400" dirty="0"/>
@@ -4790,15 +4767,31 @@
             </a:r>
             <a:r>
               <a:rPr lang="de-CH" sz="4400" dirty="0" err="1"/>
-              <a:t>vs</a:t>
+              <a:t>media</a:t>
             </a:r>
             <a:r>
               <a:rPr lang="de-CH" sz="4400" dirty="0"/>
-              <a:t> total FB </a:t>
+              <a:t> </a:t>
             </a:r>
             <a:r>
               <a:rPr lang="de-CH" sz="4400" dirty="0" err="1"/>
-              <a:t>likes</a:t>
+              <a:t>Yearly</a:t>
+            </a:r>
+            <a:r>
+              <a:rPr lang="de-CH" sz="4400" dirty="0"/>
+              <a:t> </a:t>
+            </a:r>
+            <a:r>
+              <a:rPr lang="de-CH" sz="4400" dirty="0" err="1"/>
+              <a:t>change</a:t>
+            </a:r>
+            <a:r>
+              <a:rPr lang="de-CH" sz="4400" dirty="0"/>
+              <a:t> </a:t>
+            </a:r>
+            <a:r>
+              <a:rPr lang="de-CH" sz="4400" dirty="0" err="1"/>
+              <a:t>evolution</a:t>
             </a:r>
             <a:endParaRPr lang="fr-CH" sz="4400" dirty="0"/>
           </a:p>
@@ -4806,10 +4799,10 @@
       </p:sp>
       <p:pic>
         <p:nvPicPr>
-          <p:cNvPr id="4" name="Picture 3">
+          <p:cNvPr id="3" name="Picture 2">
             <a:extLst>
               <a:ext uri="{FF2B5EF4-FFF2-40B4-BE49-F238E27FC236}">
-                <a16:creationId xmlns:a16="http://schemas.microsoft.com/office/drawing/2014/main" id="{D6AE52FC-0DA9-48F5-9B2E-D768089F54FA}"/>
+                <a16:creationId xmlns:a16="http://schemas.microsoft.com/office/drawing/2014/main" id="{8AF0222C-A7E8-473E-951E-A92320595489}"/>
               </a:ext>
             </a:extLst>
           </p:cNvPr>
@@ -4826,8 +4819,8 @@
         </p:blipFill>
         <p:spPr>
           <a:xfrm>
-            <a:off x="1247775" y="1561000"/>
-            <a:ext cx="9248774" cy="5053795"/>
+            <a:off x="1412081" y="1487947"/>
+            <a:ext cx="8970169" cy="4975640"/>
           </a:xfrm>
           <a:prstGeom prst="rect">
             <a:avLst/>
@@ -4837,7 +4830,7 @@
     </p:spTree>
     <p:extLst>
       <p:ext uri="{BB962C8B-B14F-4D97-AF65-F5344CB8AC3E}">
-        <p14:creationId xmlns:p14="http://schemas.microsoft.com/office/powerpoint/2010/main" val="2491810834"/>
+        <p14:creationId xmlns:p14="http://schemas.microsoft.com/office/powerpoint/2010/main" val="3045671093"/>
       </p:ext>
     </p:extLst>
   </p:cSld>
@@ -4888,7 +4881,7 @@
         </p:spPr>
         <p:txBody>
           <a:bodyPr>
-            <a:normAutofit fontScale="90000"/>
+            <a:normAutofit/>
           </a:bodyPr>
           <a:lstStyle/>
           <a:p>
@@ -4918,19 +4911,11 @@
             </a:r>
             <a:r>
               <a:rPr lang="de-CH" sz="4400" dirty="0"/>
-              <a:t> </a:t>
+              <a:t> total FB </a:t>
             </a:r>
             <a:r>
               <a:rPr lang="de-CH" sz="4400" dirty="0" err="1"/>
-              <a:t>yearly</a:t>
-            </a:r>
-            <a:r>
-              <a:rPr lang="de-CH" sz="4400" dirty="0"/>
-              <a:t> FB like </a:t>
-            </a:r>
-            <a:r>
-              <a:rPr lang="de-CH" sz="4400" dirty="0" err="1"/>
-              <a:t>change</a:t>
+              <a:t>likes</a:t>
             </a:r>
             <a:endParaRPr lang="fr-CH" sz="4400" dirty="0"/>
           </a:p>
@@ -4938,10 +4923,10 @@
       </p:sp>
       <p:pic>
         <p:nvPicPr>
-          <p:cNvPr id="3" name="Picture 2">
+          <p:cNvPr id="4" name="Picture 3">
             <a:extLst>
               <a:ext uri="{FF2B5EF4-FFF2-40B4-BE49-F238E27FC236}">
-                <a16:creationId xmlns:a16="http://schemas.microsoft.com/office/drawing/2014/main" id="{87B3B92E-0469-4E13-861E-19A3B039C808}"/>
+                <a16:creationId xmlns:a16="http://schemas.microsoft.com/office/drawing/2014/main" id="{D6AE52FC-0DA9-48F5-9B2E-D768089F54FA}"/>
               </a:ext>
             </a:extLst>
           </p:cNvPr>
@@ -4958,8 +4943,8 @@
         </p:blipFill>
         <p:spPr>
           <a:xfrm>
-            <a:off x="1398671" y="1343690"/>
-            <a:ext cx="9394657" cy="5174852"/>
+            <a:off x="1247775" y="1561000"/>
+            <a:ext cx="9248774" cy="5053795"/>
           </a:xfrm>
           <a:prstGeom prst="rect">
             <a:avLst/>
@@ -4969,7 +4954,7 @@
     </p:spTree>
     <p:extLst>
       <p:ext uri="{BB962C8B-B14F-4D97-AF65-F5344CB8AC3E}">
-        <p14:creationId xmlns:p14="http://schemas.microsoft.com/office/powerpoint/2010/main" val="2346723763"/>
+        <p14:creationId xmlns:p14="http://schemas.microsoft.com/office/powerpoint/2010/main" val="2491810834"/>
       </p:ext>
     </p:extLst>
   </p:cSld>
@@ -5050,6 +5035,138 @@
             </a:r>
             <a:r>
               <a:rPr lang="de-CH" sz="4400" dirty="0"/>
+              <a:t> </a:t>
+            </a:r>
+            <a:r>
+              <a:rPr lang="de-CH" sz="4400" dirty="0" err="1"/>
+              <a:t>yearly</a:t>
+            </a:r>
+            <a:r>
+              <a:rPr lang="de-CH" sz="4400" dirty="0"/>
+              <a:t> FB like </a:t>
+            </a:r>
+            <a:r>
+              <a:rPr lang="de-CH" sz="4400" dirty="0" err="1"/>
+              <a:t>change</a:t>
+            </a:r>
+            <a:endParaRPr lang="fr-CH" sz="4400" dirty="0"/>
+          </a:p>
+        </p:txBody>
+      </p:sp>
+      <p:pic>
+        <p:nvPicPr>
+          <p:cNvPr id="3" name="Picture 2">
+            <a:extLst>
+              <a:ext uri="{FF2B5EF4-FFF2-40B4-BE49-F238E27FC236}">
+                <a16:creationId xmlns:a16="http://schemas.microsoft.com/office/drawing/2014/main" id="{87B3B92E-0469-4E13-861E-19A3B039C808}"/>
+              </a:ext>
+            </a:extLst>
+          </p:cNvPr>
+          <p:cNvPicPr>
+            <a:picLocks noChangeAspect="1"/>
+          </p:cNvPicPr>
+          <p:nvPr/>
+        </p:nvPicPr>
+        <p:blipFill>
+          <a:blip r:embed="rId2"/>
+          <a:stretch>
+            <a:fillRect/>
+          </a:stretch>
+        </p:blipFill>
+        <p:spPr>
+          <a:xfrm>
+            <a:off x="1398671" y="1343690"/>
+            <a:ext cx="9394657" cy="5174852"/>
+          </a:xfrm>
+          <a:prstGeom prst="rect">
+            <a:avLst/>
+          </a:prstGeom>
+        </p:spPr>
+      </p:pic>
+    </p:spTree>
+    <p:extLst>
+      <p:ext uri="{BB962C8B-B14F-4D97-AF65-F5344CB8AC3E}">
+        <p14:creationId xmlns:p14="http://schemas.microsoft.com/office/powerpoint/2010/main" val="2346723763"/>
+      </p:ext>
+    </p:extLst>
+  </p:cSld>
+  <p:clrMapOvr>
+    <a:masterClrMapping/>
+  </p:clrMapOvr>
+</p:sld>
+</file>
+
+<file path=ppt/slides/slide18.xml><?xml version="1.0" encoding="utf-8"?>
+<p:sld xmlns:a="http://schemas.openxmlformats.org/drawingml/2006/main" xmlns:r="http://schemas.openxmlformats.org/officeDocument/2006/relationships" xmlns:p="http://schemas.openxmlformats.org/presentationml/2006/main">
+  <p:cSld>
+    <p:spTree>
+      <p:nvGrpSpPr>
+        <p:cNvPr id="1" name=""/>
+        <p:cNvGrpSpPr/>
+        <p:nvPr/>
+      </p:nvGrpSpPr>
+      <p:grpSpPr>
+        <a:xfrm>
+          <a:off x="0" y="0"/>
+          <a:ext cx="0" cy="0"/>
+          <a:chOff x="0" y="0"/>
+          <a:chExt cx="0" cy="0"/>
+        </a:xfrm>
+      </p:grpSpPr>
+      <p:sp>
+        <p:nvSpPr>
+          <p:cNvPr id="2" name="Title 1">
+            <a:extLst>
+              <a:ext uri="{FF2B5EF4-FFF2-40B4-BE49-F238E27FC236}">
+                <a16:creationId xmlns:a16="http://schemas.microsoft.com/office/drawing/2014/main" id="{4D6FD3F0-DE20-4CDB-AB4B-5472ED04E12D}"/>
+              </a:ext>
+            </a:extLst>
+          </p:cNvPr>
+          <p:cNvSpPr>
+            <a:spLocks noGrp="1"/>
+          </p:cNvSpPr>
+          <p:nvPr>
+            <p:ph type="title"/>
+          </p:nvPr>
+        </p:nvSpPr>
+        <p:spPr>
+          <a:xfrm>
+            <a:off x="838200" y="243205"/>
+            <a:ext cx="10515600" cy="1325563"/>
+          </a:xfrm>
+        </p:spPr>
+        <p:txBody>
+          <a:bodyPr>
+            <a:normAutofit fontScale="90000"/>
+          </a:bodyPr>
+          <a:lstStyle/>
+          <a:p>
+            <a:r>
+              <a:rPr lang="de-CH" dirty="0"/>
+              <a:t>Basic </a:t>
+            </a:r>
+            <a:r>
+              <a:rPr lang="de-CH" dirty="0" err="1"/>
+              <a:t>analyis</a:t>
+            </a:r>
+            <a:r>
+              <a:rPr lang="de-CH" dirty="0"/>
+              <a:t>: </a:t>
+            </a:r>
+            <a:r>
+              <a:rPr lang="de-CH" sz="4400" dirty="0" err="1"/>
+              <a:t>revenue</a:t>
+            </a:r>
+            <a:r>
+              <a:rPr lang="de-CH" sz="4400" dirty="0"/>
+              <a:t> </a:t>
+            </a:r>
+            <a:r>
+              <a:rPr lang="de-CH" sz="4400" dirty="0" err="1"/>
+              <a:t>vs</a:t>
+            </a:r>
+            <a:r>
+              <a:rPr lang="de-CH" sz="4400" dirty="0"/>
               <a:t> total </a:t>
             </a:r>
             <a:r>
@@ -5111,7 +5228,7 @@
 </p:sld>
 </file>
 
-<file path=ppt/slides/slide18.xml><?xml version="1.0" encoding="utf-8"?>
+<file path=ppt/slides/slide19.xml><?xml version="1.0" encoding="utf-8"?>
 <p:sld xmlns:a="http://schemas.openxmlformats.org/drawingml/2006/main" xmlns:r="http://schemas.openxmlformats.org/officeDocument/2006/relationships" xmlns:p="http://schemas.openxmlformats.org/presentationml/2006/main">
   <p:cSld>
     <p:spTree>
@@ -8939,6 +9056,45 @@
           </a:p>
         </p:txBody>
       </p:sp>
+      <p:pic>
+        <p:nvPicPr>
+          <p:cNvPr id="4" name="Graphic 3" descr="Mop and bucket">
+            <a:extLst>
+              <a:ext uri="{FF2B5EF4-FFF2-40B4-BE49-F238E27FC236}">
+                <a16:creationId xmlns:a16="http://schemas.microsoft.com/office/drawing/2014/main" id="{325DCF8B-BF35-4006-96D9-0446C1D0DB13}"/>
+              </a:ext>
+            </a:extLst>
+          </p:cNvPr>
+          <p:cNvPicPr>
+            <a:picLocks noChangeAspect="1"/>
+          </p:cNvPicPr>
+          <p:nvPr/>
+        </p:nvPicPr>
+        <p:blipFill>
+          <a:blip r:embed="rId14">
+            <a:extLst>
+              <a:ext uri="{28A0092B-C50C-407E-A947-70E740481C1C}">
+                <a14:useLocalDpi xmlns:a14="http://schemas.microsoft.com/office/drawing/2010/main" val="0"/>
+              </a:ext>
+              <a:ext uri="{96DAC541-7B7A-43D3-8B79-37D633B846F1}">
+                <asvg:svgBlip xmlns:asvg="http://schemas.microsoft.com/office/drawing/2016/SVG/main" r:embed="rId15"/>
+              </a:ext>
+            </a:extLst>
+          </a:blip>
+          <a:stretch>
+            <a:fillRect/>
+          </a:stretch>
+        </p:blipFill>
+        <p:spPr>
+          <a:xfrm>
+            <a:off x="7890075" y="3381637"/>
+            <a:ext cx="614239" cy="614239"/>
+          </a:xfrm>
+          <a:prstGeom prst="rect">
+            <a:avLst/>
+          </a:prstGeom>
+        </p:spPr>
+      </p:pic>
     </p:spTree>
     <p:extLst>
       <p:ext uri="{BB962C8B-B14F-4D97-AF65-F5344CB8AC3E}">
@@ -8953,6 +9109,478 @@
 </file>
 
 <file path=ppt/slides/slide6.xml><?xml version="1.0" encoding="utf-8"?>
+<p:sld xmlns:a="http://schemas.openxmlformats.org/drawingml/2006/main" xmlns:r="http://schemas.openxmlformats.org/officeDocument/2006/relationships" xmlns:p="http://schemas.openxmlformats.org/presentationml/2006/main">
+  <p:cSld>
+    <p:spTree>
+      <p:nvGrpSpPr>
+        <p:cNvPr id="1" name=""/>
+        <p:cNvGrpSpPr/>
+        <p:nvPr/>
+      </p:nvGrpSpPr>
+      <p:grpSpPr>
+        <a:xfrm>
+          <a:off x="0" y="0"/>
+          <a:ext cx="0" cy="0"/>
+          <a:chOff x="0" y="0"/>
+          <a:chExt cx="0" cy="0"/>
+        </a:xfrm>
+      </p:grpSpPr>
+      <p:sp>
+        <p:nvSpPr>
+          <p:cNvPr id="2" name="Title 1">
+            <a:extLst>
+              <a:ext uri="{FF2B5EF4-FFF2-40B4-BE49-F238E27FC236}">
+                <a16:creationId xmlns:a16="http://schemas.microsoft.com/office/drawing/2014/main" id="{E6EDD89E-7393-4D52-B45A-E308B2517D0B}"/>
+              </a:ext>
+            </a:extLst>
+          </p:cNvPr>
+          <p:cNvSpPr>
+            <a:spLocks noGrp="1"/>
+          </p:cNvSpPr>
+          <p:nvPr>
+            <p:ph type="title"/>
+          </p:nvPr>
+        </p:nvSpPr>
+        <p:spPr/>
+        <p:txBody>
+          <a:bodyPr/>
+          <a:lstStyle/>
+          <a:p>
+            <a:r>
+              <a:rPr lang="fr-CH" dirty="0"/>
+              <a:t>Data transformation</a:t>
+            </a:r>
+          </a:p>
+        </p:txBody>
+      </p:sp>
+      <p:pic>
+        <p:nvPicPr>
+          <p:cNvPr id="5" name="Content Placeholder 4" descr="Gears">
+            <a:extLst>
+              <a:ext uri="{FF2B5EF4-FFF2-40B4-BE49-F238E27FC236}">
+                <a16:creationId xmlns:a16="http://schemas.microsoft.com/office/drawing/2014/main" id="{066D93A6-9ECC-4F4B-BBAC-C1B68BE4A00B}"/>
+              </a:ext>
+            </a:extLst>
+          </p:cNvPr>
+          <p:cNvPicPr>
+            <a:picLocks noGrp="1" noChangeAspect="1"/>
+          </p:cNvPicPr>
+          <p:nvPr>
+            <p:ph idx="1"/>
+          </p:nvPr>
+        </p:nvPicPr>
+        <p:blipFill>
+          <a:blip r:embed="rId2">
+            <a:extLst>
+              <a:ext uri="{28A0092B-C50C-407E-A947-70E740481C1C}">
+                <a14:useLocalDpi xmlns:a14="http://schemas.microsoft.com/office/drawing/2010/main" val="0"/>
+              </a:ext>
+              <a:ext uri="{96DAC541-7B7A-43D3-8B79-37D633B846F1}">
+                <asvg:svgBlip xmlns:asvg="http://schemas.microsoft.com/office/drawing/2016/SVG/main" r:embed="rId3"/>
+              </a:ext>
+            </a:extLst>
+          </a:blip>
+          <a:stretch>
+            <a:fillRect/>
+          </a:stretch>
+        </p:blipFill>
+        <p:spPr>
+          <a:xfrm>
+            <a:off x="7988440" y="3200850"/>
+            <a:ext cx="914400" cy="914400"/>
+          </a:xfrm>
+        </p:spPr>
+      </p:pic>
+      <p:pic>
+        <p:nvPicPr>
+          <p:cNvPr id="7" name="Graphic 6" descr="Table">
+            <a:extLst>
+              <a:ext uri="{FF2B5EF4-FFF2-40B4-BE49-F238E27FC236}">
+                <a16:creationId xmlns:a16="http://schemas.microsoft.com/office/drawing/2014/main" id="{93295455-5911-4476-BF49-D0E3F34A272D}"/>
+              </a:ext>
+            </a:extLst>
+          </p:cNvPr>
+          <p:cNvPicPr>
+            <a:picLocks noChangeAspect="1"/>
+          </p:cNvPicPr>
+          <p:nvPr/>
+        </p:nvPicPr>
+        <p:blipFill>
+          <a:blip r:embed="rId4">
+            <a:extLst>
+              <a:ext uri="{28A0092B-C50C-407E-A947-70E740481C1C}">
+                <a14:useLocalDpi xmlns:a14="http://schemas.microsoft.com/office/drawing/2010/main" val="0"/>
+              </a:ext>
+              <a:ext uri="{96DAC541-7B7A-43D3-8B79-37D633B846F1}">
+                <asvg:svgBlip xmlns:asvg="http://schemas.microsoft.com/office/drawing/2016/SVG/main" r:embed="rId5"/>
+              </a:ext>
+            </a:extLst>
+          </a:blip>
+          <a:stretch>
+            <a:fillRect/>
+          </a:stretch>
+        </p:blipFill>
+        <p:spPr>
+          <a:xfrm>
+            <a:off x="7531240" y="3540022"/>
+            <a:ext cx="914400" cy="914400"/>
+          </a:xfrm>
+          <a:prstGeom prst="rect">
+            <a:avLst/>
+          </a:prstGeom>
+        </p:spPr>
+      </p:pic>
+      <p:sp>
+        <p:nvSpPr>
+          <p:cNvPr id="8" name="TextBox 7">
+            <a:extLst>
+              <a:ext uri="{FF2B5EF4-FFF2-40B4-BE49-F238E27FC236}">
+                <a16:creationId xmlns:a16="http://schemas.microsoft.com/office/drawing/2014/main" id="{B5215176-F463-4C62-BF94-EC13AEECC386}"/>
+              </a:ext>
+            </a:extLst>
+          </p:cNvPr>
+          <p:cNvSpPr txBox="1"/>
+          <p:nvPr/>
+        </p:nvSpPr>
+        <p:spPr>
+          <a:xfrm>
+            <a:off x="1161118" y="2585909"/>
+            <a:ext cx="3411381" cy="2616101"/>
+          </a:xfrm>
+          <a:prstGeom prst="rect">
+            <a:avLst/>
+          </a:prstGeom>
+          <a:noFill/>
+        </p:spPr>
+        <p:txBody>
+          <a:bodyPr wrap="square" rtlCol="0">
+            <a:spAutoFit/>
+          </a:bodyPr>
+          <a:lstStyle/>
+          <a:p>
+            <a:pPr marL="288000" indent="-285750">
+              <a:spcBef>
+                <a:spcPts val="1200"/>
+              </a:spcBef>
+              <a:buFont typeface="Arial" panose="020B0604020202020204" pitchFamily="34" charset="0"/>
+              <a:buChar char="•"/>
+            </a:pPr>
+            <a:r>
+              <a:rPr lang="fr-CH" dirty="0"/>
+              <a:t>Aggregate Twitter and Facebook </a:t>
+            </a:r>
+            <a:r>
+              <a:rPr lang="fr-CH" dirty="0" err="1"/>
+              <a:t>daily</a:t>
+            </a:r>
+            <a:r>
+              <a:rPr lang="fr-CH" dirty="0"/>
+              <a:t> change data.</a:t>
+            </a:r>
+          </a:p>
+          <a:p>
+            <a:pPr marL="285750" indent="-285750">
+              <a:spcBef>
+                <a:spcPts val="1200"/>
+              </a:spcBef>
+              <a:buFont typeface="Arial" panose="020B0604020202020204" pitchFamily="34" charset="0"/>
+              <a:buChar char="•"/>
+            </a:pPr>
+            <a:r>
+              <a:rPr lang="fr-CH" dirty="0" err="1"/>
+              <a:t>Get</a:t>
+            </a:r>
+            <a:r>
+              <a:rPr lang="fr-CH" dirty="0"/>
+              <a:t> total likes and followers at end of </a:t>
+            </a:r>
+            <a:r>
+              <a:rPr lang="fr-CH" dirty="0" err="1"/>
+              <a:t>each</a:t>
+            </a:r>
+            <a:r>
+              <a:rPr lang="fr-CH" dirty="0"/>
+              <a:t> </a:t>
+            </a:r>
+            <a:r>
+              <a:rPr lang="fr-CH" dirty="0" err="1"/>
+              <a:t>year</a:t>
+            </a:r>
+            <a:r>
+              <a:rPr lang="fr-CH" dirty="0"/>
+              <a:t>.</a:t>
+            </a:r>
+          </a:p>
+          <a:p>
+            <a:pPr marL="285750" indent="-285750">
+              <a:spcBef>
+                <a:spcPts val="1200"/>
+              </a:spcBef>
+              <a:buFont typeface="Arial" panose="020B0604020202020204" pitchFamily="34" charset="0"/>
+              <a:buChar char="•"/>
+            </a:pPr>
+            <a:r>
+              <a:rPr lang="fr-CH" dirty="0" err="1"/>
+              <a:t>Compute</a:t>
+            </a:r>
+            <a:r>
+              <a:rPr lang="fr-CH" dirty="0"/>
+              <a:t> </a:t>
+            </a:r>
+            <a:r>
+              <a:rPr lang="fr-CH" dirty="0" err="1"/>
+              <a:t>percentgage</a:t>
+            </a:r>
+            <a:r>
+              <a:rPr lang="fr-CH" dirty="0"/>
+              <a:t> change of total likes and followers </a:t>
+            </a:r>
+            <a:r>
+              <a:rPr lang="fr-CH" dirty="0" err="1"/>
+              <a:t>each</a:t>
+            </a:r>
+            <a:r>
+              <a:rPr lang="fr-CH" dirty="0"/>
+              <a:t> </a:t>
+            </a:r>
+            <a:r>
+              <a:rPr lang="fr-CH" dirty="0" err="1"/>
+              <a:t>year</a:t>
+            </a:r>
+            <a:r>
+              <a:rPr lang="fr-CH"/>
+              <a:t>.</a:t>
+            </a:r>
+            <a:endParaRPr lang="fr-CH" dirty="0"/>
+          </a:p>
+        </p:txBody>
+      </p:sp>
+      <p:pic>
+        <p:nvPicPr>
+          <p:cNvPr id="9" name="Picture 8">
+            <a:extLst>
+              <a:ext uri="{FF2B5EF4-FFF2-40B4-BE49-F238E27FC236}">
+                <a16:creationId xmlns:a16="http://schemas.microsoft.com/office/drawing/2014/main" id="{CF330867-0198-4387-9D05-EAD48D2ABA91}"/>
+              </a:ext>
+            </a:extLst>
+          </p:cNvPr>
+          <p:cNvPicPr>
+            <a:picLocks noChangeAspect="1"/>
+          </p:cNvPicPr>
+          <p:nvPr/>
+        </p:nvPicPr>
+        <p:blipFill>
+          <a:blip r:embed="rId6"/>
+          <a:stretch>
+            <a:fillRect/>
+          </a:stretch>
+        </p:blipFill>
+        <p:spPr>
+          <a:xfrm>
+            <a:off x="4918337" y="1716225"/>
+            <a:ext cx="2172518" cy="2039235"/>
+          </a:xfrm>
+          <a:prstGeom prst="rect">
+            <a:avLst/>
+          </a:prstGeom>
+        </p:spPr>
+      </p:pic>
+      <p:pic>
+        <p:nvPicPr>
+          <p:cNvPr id="10" name="Picture 9">
+            <a:extLst>
+              <a:ext uri="{FF2B5EF4-FFF2-40B4-BE49-F238E27FC236}">
+                <a16:creationId xmlns:a16="http://schemas.microsoft.com/office/drawing/2014/main" id="{ADF1F034-6F38-4E2A-87F6-97419382AA87}"/>
+              </a:ext>
+            </a:extLst>
+          </p:cNvPr>
+          <p:cNvPicPr>
+            <a:picLocks noChangeAspect="1"/>
+          </p:cNvPicPr>
+          <p:nvPr/>
+        </p:nvPicPr>
+        <p:blipFill>
+          <a:blip r:embed="rId7"/>
+          <a:stretch>
+            <a:fillRect/>
+          </a:stretch>
+        </p:blipFill>
+        <p:spPr>
+          <a:xfrm>
+            <a:off x="9299336" y="1715471"/>
+            <a:ext cx="2106874" cy="2039989"/>
+          </a:xfrm>
+          <a:prstGeom prst="rect">
+            <a:avLst/>
+          </a:prstGeom>
+        </p:spPr>
+      </p:pic>
+      <p:pic>
+        <p:nvPicPr>
+          <p:cNvPr id="11" name="Picture 10">
+            <a:extLst>
+              <a:ext uri="{FF2B5EF4-FFF2-40B4-BE49-F238E27FC236}">
+                <a16:creationId xmlns:a16="http://schemas.microsoft.com/office/drawing/2014/main" id="{534E3889-39AE-4DD7-B85E-9311EBAAD74B}"/>
+              </a:ext>
+            </a:extLst>
+          </p:cNvPr>
+          <p:cNvPicPr>
+            <a:picLocks noChangeAspect="1"/>
+          </p:cNvPicPr>
+          <p:nvPr/>
+        </p:nvPicPr>
+        <p:blipFill>
+          <a:blip r:embed="rId8"/>
+          <a:stretch>
+            <a:fillRect/>
+          </a:stretch>
+        </p:blipFill>
+        <p:spPr>
+          <a:xfrm>
+            <a:off x="5063686" y="3997222"/>
+            <a:ext cx="1887379" cy="2592886"/>
+          </a:xfrm>
+          <a:prstGeom prst="rect">
+            <a:avLst/>
+          </a:prstGeom>
+        </p:spPr>
+      </p:pic>
+      <p:pic>
+        <p:nvPicPr>
+          <p:cNvPr id="12" name="Picture 11">
+            <a:extLst>
+              <a:ext uri="{FF2B5EF4-FFF2-40B4-BE49-F238E27FC236}">
+                <a16:creationId xmlns:a16="http://schemas.microsoft.com/office/drawing/2014/main" id="{47314E25-9039-461F-BC50-E1EE3C7B7F7B}"/>
+              </a:ext>
+            </a:extLst>
+          </p:cNvPr>
+          <p:cNvPicPr>
+            <a:picLocks noChangeAspect="1"/>
+          </p:cNvPicPr>
+          <p:nvPr/>
+        </p:nvPicPr>
+        <p:blipFill>
+          <a:blip r:embed="rId9"/>
+          <a:stretch>
+            <a:fillRect/>
+          </a:stretch>
+        </p:blipFill>
+        <p:spPr>
+          <a:xfrm>
+            <a:off x="9299336" y="3982997"/>
+            <a:ext cx="2018210" cy="2592886"/>
+          </a:xfrm>
+          <a:prstGeom prst="rect">
+            <a:avLst/>
+          </a:prstGeom>
+        </p:spPr>
+      </p:pic>
+      <p:sp>
+        <p:nvSpPr>
+          <p:cNvPr id="15" name="Arrow: Right 14">
+            <a:extLst>
+              <a:ext uri="{FF2B5EF4-FFF2-40B4-BE49-F238E27FC236}">
+                <a16:creationId xmlns:a16="http://schemas.microsoft.com/office/drawing/2014/main" id="{FD2F5DDE-F520-4C0C-8AD8-0229578AA554}"/>
+              </a:ext>
+            </a:extLst>
+          </p:cNvPr>
+          <p:cNvSpPr/>
+          <p:nvPr/>
+        </p:nvSpPr>
+        <p:spPr>
+          <a:xfrm>
+            <a:off x="7436550" y="2539374"/>
+            <a:ext cx="1516949" cy="491890"/>
+          </a:xfrm>
+          <a:prstGeom prst="rightArrow">
+            <a:avLst/>
+          </a:prstGeom>
+        </p:spPr>
+        <p:style>
+          <a:lnRef idx="2">
+            <a:schemeClr val="accent1">
+              <a:shade val="50000"/>
+            </a:schemeClr>
+          </a:lnRef>
+          <a:fillRef idx="1">
+            <a:schemeClr val="accent1"/>
+          </a:fillRef>
+          <a:effectRef idx="0">
+            <a:schemeClr val="accent1"/>
+          </a:effectRef>
+          <a:fontRef idx="minor">
+            <a:schemeClr val="lt1"/>
+          </a:fontRef>
+        </p:style>
+        <p:txBody>
+          <a:bodyPr rtlCol="0" anchor="ctr"/>
+          <a:lstStyle/>
+          <a:p>
+            <a:pPr algn="ctr"/>
+            <a:endParaRPr lang="fr-CH"/>
+          </a:p>
+        </p:txBody>
+      </p:sp>
+      <p:sp>
+        <p:nvSpPr>
+          <p:cNvPr id="16" name="Arrow: Right 15">
+            <a:extLst>
+              <a:ext uri="{FF2B5EF4-FFF2-40B4-BE49-F238E27FC236}">
+                <a16:creationId xmlns:a16="http://schemas.microsoft.com/office/drawing/2014/main" id="{E230D965-DB20-4A54-9E65-4F288639B855}"/>
+              </a:ext>
+            </a:extLst>
+          </p:cNvPr>
+          <p:cNvSpPr/>
+          <p:nvPr/>
+        </p:nvSpPr>
+        <p:spPr>
+          <a:xfrm>
+            <a:off x="7385891" y="5047720"/>
+            <a:ext cx="1516949" cy="491890"/>
+          </a:xfrm>
+          <a:prstGeom prst="rightArrow">
+            <a:avLst/>
+          </a:prstGeom>
+        </p:spPr>
+        <p:style>
+          <a:lnRef idx="2">
+            <a:schemeClr val="accent1">
+              <a:shade val="50000"/>
+            </a:schemeClr>
+          </a:lnRef>
+          <a:fillRef idx="1">
+            <a:schemeClr val="accent1"/>
+          </a:fillRef>
+          <a:effectRef idx="0">
+            <a:schemeClr val="accent1"/>
+          </a:effectRef>
+          <a:fontRef idx="minor">
+            <a:schemeClr val="lt1"/>
+          </a:fontRef>
+        </p:style>
+        <p:txBody>
+          <a:bodyPr rtlCol="0" anchor="ctr"/>
+          <a:lstStyle/>
+          <a:p>
+            <a:pPr algn="ctr"/>
+            <a:endParaRPr lang="fr-CH"/>
+          </a:p>
+        </p:txBody>
+      </p:sp>
+    </p:spTree>
+    <p:extLst>
+      <p:ext uri="{BB962C8B-B14F-4D97-AF65-F5344CB8AC3E}">
+        <p14:creationId xmlns:p14="http://schemas.microsoft.com/office/powerpoint/2010/main" val="3007639239"/>
+      </p:ext>
+    </p:extLst>
+  </p:cSld>
+  <p:clrMapOvr>
+    <a:masterClrMapping/>
+  </p:clrMapOvr>
+</p:sld>
+</file>
+
+<file path=ppt/slides/slide7.xml><?xml version="1.0" encoding="utf-8"?>
 <p:sld xmlns:a="http://schemas.openxmlformats.org/drawingml/2006/main" xmlns:r="http://schemas.openxmlformats.org/officeDocument/2006/relationships" xmlns:p="http://schemas.openxmlformats.org/presentationml/2006/main">
   <p:cSld>
     <p:spTree>
@@ -9587,7 +10215,7 @@
 </p:sld>
 </file>
 
-<file path=ppt/slides/slide7.xml><?xml version="1.0" encoding="utf-8"?>
+<file path=ppt/slides/slide8.xml><?xml version="1.0" encoding="utf-8"?>
 <p:sld xmlns:a="http://schemas.openxmlformats.org/drawingml/2006/main" xmlns:r="http://schemas.openxmlformats.org/officeDocument/2006/relationships" xmlns:p="http://schemas.openxmlformats.org/presentationml/2006/main">
   <p:cSld>
     <p:spTree>
@@ -9789,7 +10417,7 @@
 </p:sld>
 </file>
 
-<file path=ppt/slides/slide8.xml><?xml version="1.0" encoding="utf-8"?>
+<file path=ppt/slides/slide9.xml><?xml version="1.0" encoding="utf-8"?>
 <p:sld xmlns:a="http://schemas.openxmlformats.org/drawingml/2006/main" xmlns:r="http://schemas.openxmlformats.org/officeDocument/2006/relationships" xmlns:p="http://schemas.openxmlformats.org/presentationml/2006/main">
   <p:cSld>
     <p:spTree>
@@ -9894,122 +10522,6 @@
     <p:extLst>
       <p:ext uri="{BB962C8B-B14F-4D97-AF65-F5344CB8AC3E}">
         <p14:creationId xmlns:p14="http://schemas.microsoft.com/office/powerpoint/2010/main" val="3062596993"/>
-      </p:ext>
-    </p:extLst>
-  </p:cSld>
-  <p:clrMapOvr>
-    <a:masterClrMapping/>
-  </p:clrMapOvr>
-</p:sld>
-</file>
-
-<file path=ppt/slides/slide9.xml><?xml version="1.0" encoding="utf-8"?>
-<p:sld xmlns:a="http://schemas.openxmlformats.org/drawingml/2006/main" xmlns:r="http://schemas.openxmlformats.org/officeDocument/2006/relationships" xmlns:p="http://schemas.openxmlformats.org/presentationml/2006/main">
-  <p:cSld>
-    <p:spTree>
-      <p:nvGrpSpPr>
-        <p:cNvPr id="1" name=""/>
-        <p:cNvGrpSpPr/>
-        <p:nvPr/>
-      </p:nvGrpSpPr>
-      <p:grpSpPr>
-        <a:xfrm>
-          <a:off x="0" y="0"/>
-          <a:ext cx="0" cy="0"/>
-          <a:chOff x="0" y="0"/>
-          <a:chExt cx="0" cy="0"/>
-        </a:xfrm>
-      </p:grpSpPr>
-      <p:sp>
-        <p:nvSpPr>
-          <p:cNvPr id="2" name="Title 1">
-            <a:extLst>
-              <a:ext uri="{FF2B5EF4-FFF2-40B4-BE49-F238E27FC236}">
-                <a16:creationId xmlns:a16="http://schemas.microsoft.com/office/drawing/2014/main" id="{4D6FD3F0-DE20-4CDB-AB4B-5472ED04E12D}"/>
-              </a:ext>
-            </a:extLst>
-          </p:cNvPr>
-          <p:cNvSpPr>
-            <a:spLocks noGrp="1"/>
-          </p:cNvSpPr>
-          <p:nvPr>
-            <p:ph type="title"/>
-          </p:nvPr>
-        </p:nvSpPr>
-        <p:spPr>
-          <a:xfrm>
-            <a:off x="838200" y="243205"/>
-            <a:ext cx="10515600" cy="1325563"/>
-          </a:xfrm>
-        </p:spPr>
-        <p:txBody>
-          <a:bodyPr/>
-          <a:lstStyle/>
-          <a:p>
-            <a:r>
-              <a:rPr lang="de-CH" dirty="0"/>
-              <a:t>Basic </a:t>
-            </a:r>
-            <a:r>
-              <a:rPr lang="de-CH" dirty="0" err="1"/>
-              <a:t>analyis</a:t>
-            </a:r>
-            <a:r>
-              <a:rPr lang="de-CH" dirty="0"/>
-              <a:t>: </a:t>
-            </a:r>
-            <a:r>
-              <a:rPr lang="de-CH" dirty="0" err="1"/>
-              <a:t>financial</a:t>
-            </a:r>
-            <a:r>
-              <a:rPr lang="de-CH" dirty="0"/>
-              <a:t> </a:t>
-            </a:r>
-            <a:r>
-              <a:rPr lang="de-CH" dirty="0" err="1"/>
-              <a:t>evolution</a:t>
-            </a:r>
-            <a:endParaRPr lang="fr-CH" dirty="0"/>
-          </a:p>
-        </p:txBody>
-      </p:sp>
-      <p:pic>
-        <p:nvPicPr>
-          <p:cNvPr id="4" name="Content Placeholder 3">
-            <a:extLst>
-              <a:ext uri="{FF2B5EF4-FFF2-40B4-BE49-F238E27FC236}">
-                <a16:creationId xmlns:a16="http://schemas.microsoft.com/office/drawing/2014/main" id="{E4935FA7-A361-475D-AC38-85E138A89845}"/>
-              </a:ext>
-            </a:extLst>
-          </p:cNvPr>
-          <p:cNvPicPr>
-            <a:picLocks noGrp="1" noChangeAspect="1"/>
-          </p:cNvPicPr>
-          <p:nvPr>
-            <p:ph idx="1"/>
-          </p:nvPr>
-        </p:nvPicPr>
-        <p:blipFill>
-          <a:blip r:embed="rId2"/>
-          <a:stretch>
-            <a:fillRect/>
-          </a:stretch>
-        </p:blipFill>
-        <p:spPr>
-          <a:xfrm>
-            <a:off x="1574520" y="1473199"/>
-            <a:ext cx="8712480" cy="4631795"/>
-          </a:xfrm>
-          <a:prstGeom prst="rect">
-            <a:avLst/>
-          </a:prstGeom>
-        </p:spPr>
-      </p:pic>
-    </p:spTree>
-    <p:extLst>
-      <p:ext uri="{BB962C8B-B14F-4D97-AF65-F5344CB8AC3E}">
-        <p14:creationId xmlns:p14="http://schemas.microsoft.com/office/powerpoint/2010/main" val="279124393"/>
       </p:ext>
     </p:extLst>
   </p:cSld>
